--- a/4_LLM.pptx
+++ b/4_LLM.pptx
@@ -9,6 +9,8 @@
     <p:sldId id="257" r:id="rId3"/>
     <p:sldId id="258" r:id="rId4"/>
     <p:sldId id="259" r:id="rId5"/>
+    <p:sldId id="260" r:id="rId6"/>
+    <p:sldId id="261" r:id="rId7"/>
   </p:sldIdLst>
   <p:sldSz cx="12192000" cy="6858000"/>
   <p:notesSz cx="6858000" cy="9144000"/>
@@ -262,7 +264,7 @@
           <a:p>
             <a:fld id="{7A5ED754-0D2A-4E23-8A82-9D5AC277D119}" type="datetimeFigureOut">
               <a:rPr lang="zh-TW" altLang="en-US" smtClean="0"/>
-              <a:t>2025/7/25</a:t>
+              <a:t>2025/7/28</a:t>
             </a:fld>
             <a:endParaRPr lang="zh-TW" altLang="en-US"/>
           </a:p>
@@ -460,7 +462,7 @@
           <a:p>
             <a:fld id="{7A5ED754-0D2A-4E23-8A82-9D5AC277D119}" type="datetimeFigureOut">
               <a:rPr lang="zh-TW" altLang="en-US" smtClean="0"/>
-              <a:t>2025/7/25</a:t>
+              <a:t>2025/7/28</a:t>
             </a:fld>
             <a:endParaRPr lang="zh-TW" altLang="en-US"/>
           </a:p>
@@ -668,7 +670,7 @@
           <a:p>
             <a:fld id="{7A5ED754-0D2A-4E23-8A82-9D5AC277D119}" type="datetimeFigureOut">
               <a:rPr lang="zh-TW" altLang="en-US" smtClean="0"/>
-              <a:t>2025/7/25</a:t>
+              <a:t>2025/7/28</a:t>
             </a:fld>
             <a:endParaRPr lang="zh-TW" altLang="en-US"/>
           </a:p>
@@ -866,7 +868,7 @@
           <a:p>
             <a:fld id="{7A5ED754-0D2A-4E23-8A82-9D5AC277D119}" type="datetimeFigureOut">
               <a:rPr lang="zh-TW" altLang="en-US" smtClean="0"/>
-              <a:t>2025/7/25</a:t>
+              <a:t>2025/7/28</a:t>
             </a:fld>
             <a:endParaRPr lang="zh-TW" altLang="en-US"/>
           </a:p>
@@ -1141,7 +1143,7 @@
           <a:p>
             <a:fld id="{7A5ED754-0D2A-4E23-8A82-9D5AC277D119}" type="datetimeFigureOut">
               <a:rPr lang="zh-TW" altLang="en-US" smtClean="0"/>
-              <a:t>2025/7/25</a:t>
+              <a:t>2025/7/28</a:t>
             </a:fld>
             <a:endParaRPr lang="zh-TW" altLang="en-US"/>
           </a:p>
@@ -1406,7 +1408,7 @@
           <a:p>
             <a:fld id="{7A5ED754-0D2A-4E23-8A82-9D5AC277D119}" type="datetimeFigureOut">
               <a:rPr lang="zh-TW" altLang="en-US" smtClean="0"/>
-              <a:t>2025/7/25</a:t>
+              <a:t>2025/7/28</a:t>
             </a:fld>
             <a:endParaRPr lang="zh-TW" altLang="en-US"/>
           </a:p>
@@ -1818,7 +1820,7 @@
           <a:p>
             <a:fld id="{7A5ED754-0D2A-4E23-8A82-9D5AC277D119}" type="datetimeFigureOut">
               <a:rPr lang="zh-TW" altLang="en-US" smtClean="0"/>
-              <a:t>2025/7/25</a:t>
+              <a:t>2025/7/28</a:t>
             </a:fld>
             <a:endParaRPr lang="zh-TW" altLang="en-US"/>
           </a:p>
@@ -1959,7 +1961,7 @@
           <a:p>
             <a:fld id="{7A5ED754-0D2A-4E23-8A82-9D5AC277D119}" type="datetimeFigureOut">
               <a:rPr lang="zh-TW" altLang="en-US" smtClean="0"/>
-              <a:t>2025/7/25</a:t>
+              <a:t>2025/7/28</a:t>
             </a:fld>
             <a:endParaRPr lang="zh-TW" altLang="en-US"/>
           </a:p>
@@ -2072,7 +2074,7 @@
           <a:p>
             <a:fld id="{7A5ED754-0D2A-4E23-8A82-9D5AC277D119}" type="datetimeFigureOut">
               <a:rPr lang="zh-TW" altLang="en-US" smtClean="0"/>
-              <a:t>2025/7/25</a:t>
+              <a:t>2025/7/28</a:t>
             </a:fld>
             <a:endParaRPr lang="zh-TW" altLang="en-US"/>
           </a:p>
@@ -2383,7 +2385,7 @@
           <a:p>
             <a:fld id="{7A5ED754-0D2A-4E23-8A82-9D5AC277D119}" type="datetimeFigureOut">
               <a:rPr lang="zh-TW" altLang="en-US" smtClean="0"/>
-              <a:t>2025/7/25</a:t>
+              <a:t>2025/7/28</a:t>
             </a:fld>
             <a:endParaRPr lang="zh-TW" altLang="en-US"/>
           </a:p>
@@ -2671,7 +2673,7 @@
           <a:p>
             <a:fld id="{7A5ED754-0D2A-4E23-8A82-9D5AC277D119}" type="datetimeFigureOut">
               <a:rPr lang="zh-TW" altLang="en-US" smtClean="0"/>
-              <a:t>2025/7/25</a:t>
+              <a:t>2025/7/28</a:t>
             </a:fld>
             <a:endParaRPr lang="zh-TW" altLang="en-US"/>
           </a:p>
@@ -2912,7 +2914,7 @@
           <a:p>
             <a:fld id="{7A5ED754-0D2A-4E23-8A82-9D5AC277D119}" type="datetimeFigureOut">
               <a:rPr lang="zh-TW" altLang="en-US" smtClean="0"/>
-              <a:t>2025/7/25</a:t>
+              <a:t>2025/7/28</a:t>
             </a:fld>
             <a:endParaRPr lang="zh-TW" altLang="en-US"/>
           </a:p>
@@ -3665,6 +3667,230 @@
     <p:extLst>
       <p:ext uri="{BB962C8B-B14F-4D97-AF65-F5344CB8AC3E}">
         <p14:creationId xmlns:p14="http://schemas.microsoft.com/office/powerpoint/2010/main" val="923542886"/>
+      </p:ext>
+    </p:extLst>
+  </p:cSld>
+  <p:clrMapOvr>
+    <a:masterClrMapping/>
+  </p:clrMapOvr>
+</p:sld>
+</file>
+
+<file path=ppt/slides/slide5.xml><?xml version="1.0" encoding="utf-8"?>
+<p:sld xmlns:a="http://schemas.openxmlformats.org/drawingml/2006/main" xmlns:r="http://schemas.openxmlformats.org/officeDocument/2006/relationships" xmlns:p="http://schemas.openxmlformats.org/presentationml/2006/main">
+  <p:cSld>
+    <p:spTree>
+      <p:nvGrpSpPr>
+        <p:cNvPr id="1" name=""/>
+        <p:cNvGrpSpPr/>
+        <p:nvPr/>
+      </p:nvGrpSpPr>
+      <p:grpSpPr>
+        <a:xfrm>
+          <a:off x="0" y="0"/>
+          <a:ext cx="0" cy="0"/>
+          <a:chOff x="0" y="0"/>
+          <a:chExt cx="0" cy="0"/>
+        </a:xfrm>
+      </p:grpSpPr>
+      <p:sp>
+        <p:nvSpPr>
+          <p:cNvPr id="2" name="標題 1">
+            <a:extLst>
+              <a:ext uri="{FF2B5EF4-FFF2-40B4-BE49-F238E27FC236}">
+                <a16:creationId xmlns:a16="http://schemas.microsoft.com/office/drawing/2014/main" id="{1CD8711A-0404-8F92-4C1A-020245A2A326}"/>
+              </a:ext>
+            </a:extLst>
+          </p:cNvPr>
+          <p:cNvSpPr>
+            <a:spLocks noGrp="1"/>
+          </p:cNvSpPr>
+          <p:nvPr>
+            <p:ph type="title"/>
+          </p:nvPr>
+        </p:nvSpPr>
+        <p:spPr/>
+        <p:txBody>
+          <a:bodyPr/>
+          <a:lstStyle/>
+          <a:p>
+            <a:endParaRPr lang="zh-TW" altLang="en-US"/>
+          </a:p>
+        </p:txBody>
+      </p:sp>
+      <p:pic>
+        <p:nvPicPr>
+          <p:cNvPr id="9" name="內容版面配置區 8">
+            <a:extLst>
+              <a:ext uri="{FF2B5EF4-FFF2-40B4-BE49-F238E27FC236}">
+                <a16:creationId xmlns:a16="http://schemas.microsoft.com/office/drawing/2014/main" id="{C8789F2D-3BDB-1FD8-FA51-DCBF038E414F}"/>
+              </a:ext>
+            </a:extLst>
+          </p:cNvPr>
+          <p:cNvPicPr>
+            <a:picLocks noGrp="1" noChangeAspect="1"/>
+          </p:cNvPicPr>
+          <p:nvPr>
+            <p:ph idx="1"/>
+          </p:nvPr>
+        </p:nvPicPr>
+        <p:blipFill>
+          <a:blip r:embed="rId2"/>
+          <a:stretch>
+            <a:fillRect/>
+          </a:stretch>
+        </p:blipFill>
+        <p:spPr>
+          <a:xfrm>
+            <a:off x="1191621" y="4018937"/>
+            <a:ext cx="10079508" cy="2037734"/>
+          </a:xfrm>
+        </p:spPr>
+      </p:pic>
+      <p:pic>
+        <p:nvPicPr>
+          <p:cNvPr id="7" name="圖片 6">
+            <a:extLst>
+              <a:ext uri="{FF2B5EF4-FFF2-40B4-BE49-F238E27FC236}">
+                <a16:creationId xmlns:a16="http://schemas.microsoft.com/office/drawing/2014/main" id="{07562FA9-88D6-B3E4-07B9-C14205B9B706}"/>
+              </a:ext>
+            </a:extLst>
+          </p:cNvPr>
+          <p:cNvPicPr>
+            <a:picLocks noChangeAspect="1"/>
+          </p:cNvPicPr>
+          <p:nvPr/>
+        </p:nvPicPr>
+        <p:blipFill>
+          <a:blip r:embed="rId3"/>
+          <a:stretch>
+            <a:fillRect/>
+          </a:stretch>
+        </p:blipFill>
+        <p:spPr>
+          <a:xfrm>
+            <a:off x="1191621" y="365125"/>
+            <a:ext cx="10032158" cy="2378075"/>
+          </a:xfrm>
+          <a:prstGeom prst="rect">
+            <a:avLst/>
+          </a:prstGeom>
+        </p:spPr>
+      </p:pic>
+    </p:spTree>
+    <p:extLst>
+      <p:ext uri="{BB962C8B-B14F-4D97-AF65-F5344CB8AC3E}">
+        <p14:creationId xmlns:p14="http://schemas.microsoft.com/office/powerpoint/2010/main" val="962515098"/>
+      </p:ext>
+    </p:extLst>
+  </p:cSld>
+  <p:clrMapOvr>
+    <a:masterClrMapping/>
+  </p:clrMapOvr>
+</p:sld>
+</file>
+
+<file path=ppt/slides/slide6.xml><?xml version="1.0" encoding="utf-8"?>
+<p:sld xmlns:a="http://schemas.openxmlformats.org/drawingml/2006/main" xmlns:r="http://schemas.openxmlformats.org/officeDocument/2006/relationships" xmlns:p="http://schemas.openxmlformats.org/presentationml/2006/main">
+  <p:cSld>
+    <p:spTree>
+      <p:nvGrpSpPr>
+        <p:cNvPr id="1" name=""/>
+        <p:cNvGrpSpPr/>
+        <p:nvPr/>
+      </p:nvGrpSpPr>
+      <p:grpSpPr>
+        <a:xfrm>
+          <a:off x="0" y="0"/>
+          <a:ext cx="0" cy="0"/>
+          <a:chOff x="0" y="0"/>
+          <a:chExt cx="0" cy="0"/>
+        </a:xfrm>
+      </p:grpSpPr>
+      <p:sp>
+        <p:nvSpPr>
+          <p:cNvPr id="2" name="標題 1">
+            <a:extLst>
+              <a:ext uri="{FF2B5EF4-FFF2-40B4-BE49-F238E27FC236}">
+                <a16:creationId xmlns:a16="http://schemas.microsoft.com/office/drawing/2014/main" id="{A74293F5-4F86-939E-AB72-616BE50168F4}"/>
+              </a:ext>
+            </a:extLst>
+          </p:cNvPr>
+          <p:cNvSpPr>
+            <a:spLocks noGrp="1"/>
+          </p:cNvSpPr>
+          <p:nvPr>
+            <p:ph type="title"/>
+          </p:nvPr>
+        </p:nvSpPr>
+        <p:spPr/>
+        <p:txBody>
+          <a:bodyPr/>
+          <a:lstStyle/>
+          <a:p>
+            <a:endParaRPr lang="zh-TW" altLang="en-US"/>
+          </a:p>
+        </p:txBody>
+      </p:sp>
+      <p:sp>
+        <p:nvSpPr>
+          <p:cNvPr id="3" name="內容版面配置區 2">
+            <a:extLst>
+              <a:ext uri="{FF2B5EF4-FFF2-40B4-BE49-F238E27FC236}">
+                <a16:creationId xmlns:a16="http://schemas.microsoft.com/office/drawing/2014/main" id="{C99C6E00-DC6A-43D2-5FC3-7EEB101617F4}"/>
+              </a:ext>
+            </a:extLst>
+          </p:cNvPr>
+          <p:cNvSpPr>
+            <a:spLocks noGrp="1"/>
+          </p:cNvSpPr>
+          <p:nvPr>
+            <p:ph idx="1"/>
+          </p:nvPr>
+        </p:nvSpPr>
+        <p:spPr/>
+        <p:txBody>
+          <a:bodyPr/>
+          <a:lstStyle/>
+          <a:p>
+            <a:endParaRPr lang="zh-TW" altLang="en-US"/>
+          </a:p>
+        </p:txBody>
+      </p:sp>
+      <p:pic>
+        <p:nvPicPr>
+          <p:cNvPr id="5" name="圖片 4">
+            <a:extLst>
+              <a:ext uri="{FF2B5EF4-FFF2-40B4-BE49-F238E27FC236}">
+                <a16:creationId xmlns:a16="http://schemas.microsoft.com/office/drawing/2014/main" id="{4D5D6661-F1CB-0E90-C234-8B57F02F8B47}"/>
+              </a:ext>
+            </a:extLst>
+          </p:cNvPr>
+          <p:cNvPicPr>
+            <a:picLocks noChangeAspect="1"/>
+          </p:cNvPicPr>
+          <p:nvPr/>
+        </p:nvPicPr>
+        <p:blipFill>
+          <a:blip r:embed="rId2"/>
+          <a:stretch>
+            <a:fillRect/>
+          </a:stretch>
+        </p:blipFill>
+        <p:spPr>
+          <a:xfrm>
+            <a:off x="974396" y="365125"/>
+            <a:ext cx="10243208" cy="6127749"/>
+          </a:xfrm>
+          <a:prstGeom prst="rect">
+            <a:avLst/>
+          </a:prstGeom>
+        </p:spPr>
+      </p:pic>
+    </p:spTree>
+    <p:extLst>
+      <p:ext uri="{BB962C8B-B14F-4D97-AF65-F5344CB8AC3E}">
+        <p14:creationId xmlns:p14="http://schemas.microsoft.com/office/powerpoint/2010/main" val="532420872"/>
       </p:ext>
     </p:extLst>
   </p:cSld>
